--- a/figures/figure_01.pptx
+++ b/figures/figure_01.pptx
@@ -112,16 +112,80 @@
 </p:presentation>
 </file>
 
-<file path=ppt/revisionInfo.xml><?xml version="1.0" encoding="utf-8"?>
-<p1510:revInfo xmlns:a="http://schemas.openxmlformats.org/drawingml/2006/main" xmlns:r="http://schemas.openxmlformats.org/officeDocument/2006/relationships" xmlns:p1510="http://schemas.microsoft.com/office/powerpoint/2015/10/main">
-  <p1510:revLst>
-    <p1510:client id="{C3140176-FEAD-492B-824A-76FA7BEDBF71}" v="1" dt="2023-12-11T15:57:56.098"/>
-  </p1510:revLst>
-</p1510:revInfo>
-</file>
-
 <file path=ppt/changesInfos/changesInfo1.xml><?xml version="1.0" encoding="utf-8"?>
 <pc:chgInfo xmlns:a="http://schemas.openxmlformats.org/drawingml/2006/main" xmlns:r="http://schemas.openxmlformats.org/officeDocument/2006/relationships" xmlns:ac="http://schemas.microsoft.com/office/drawing/2013/main/command" xmlns:pc="http://schemas.microsoft.com/office/powerpoint/2013/main/command">
+  <pc:docChgLst>
+    <pc:chgData name="Neil Gilbert" userId="2403ec6af305d8db" providerId="LiveId" clId="{251A071A-6428-4617-9788-E4BA757E3664}"/>
+    <pc:docChg chg="modSld">
+      <pc:chgData name="Neil Gilbert" userId="2403ec6af305d8db" providerId="LiveId" clId="{251A071A-6428-4617-9788-E4BA757E3664}" dt="2024-05-01T17:35:23.654" v="17" actId="692"/>
+      <pc:docMkLst>
+        <pc:docMk/>
+      </pc:docMkLst>
+      <pc:sldChg chg="modSp mod">
+        <pc:chgData name="Neil Gilbert" userId="2403ec6af305d8db" providerId="LiveId" clId="{251A071A-6428-4617-9788-E4BA757E3664}" dt="2024-05-01T17:35:23.654" v="17" actId="692"/>
+        <pc:sldMkLst>
+          <pc:docMk/>
+          <pc:sldMk cId="3211148910" sldId="257"/>
+        </pc:sldMkLst>
+        <pc:spChg chg="mod">
+          <ac:chgData name="Neil Gilbert" userId="2403ec6af305d8db" providerId="LiveId" clId="{251A071A-6428-4617-9788-E4BA757E3664}" dt="2024-05-01T17:34:06.982" v="2" actId="692"/>
+          <ac:spMkLst>
+            <pc:docMk/>
+            <pc:sldMk cId="3211148910" sldId="257"/>
+            <ac:spMk id="4" creationId="{ABCD9313-FDF3-A899-E335-55BAD4567AA3}"/>
+          </ac:spMkLst>
+        </pc:spChg>
+        <pc:spChg chg="mod">
+          <ac:chgData name="Neil Gilbert" userId="2403ec6af305d8db" providerId="LiveId" clId="{251A071A-6428-4617-9788-E4BA757E3664}" dt="2024-05-01T17:34:38.019" v="7" actId="207"/>
+          <ac:spMkLst>
+            <pc:docMk/>
+            <pc:sldMk cId="3211148910" sldId="257"/>
+            <ac:spMk id="208" creationId="{00000659-097F-F547-EF81-3ABA29E8A431}"/>
+          </ac:spMkLst>
+        </pc:spChg>
+        <pc:spChg chg="mod">
+          <ac:chgData name="Neil Gilbert" userId="2403ec6af305d8db" providerId="LiveId" clId="{251A071A-6428-4617-9788-E4BA757E3664}" dt="2024-05-01T17:35:05.216" v="14" actId="692"/>
+          <ac:spMkLst>
+            <pc:docMk/>
+            <pc:sldMk cId="3211148910" sldId="257"/>
+            <ac:spMk id="210" creationId="{C1C5A906-989F-AA6D-DCF8-8862074A359A}"/>
+          </ac:spMkLst>
+        </pc:spChg>
+        <pc:spChg chg="mod">
+          <ac:chgData name="Neil Gilbert" userId="2403ec6af305d8db" providerId="LiveId" clId="{251A071A-6428-4617-9788-E4BA757E3664}" dt="2024-05-01T17:34:33.797" v="6" actId="207"/>
+          <ac:spMkLst>
+            <pc:docMk/>
+            <pc:sldMk cId="3211148910" sldId="257"/>
+            <ac:spMk id="215" creationId="{7DDEC87C-25E0-A806-BA6E-72537E9936EB}"/>
+          </ac:spMkLst>
+        </pc:spChg>
+        <pc:spChg chg="mod">
+          <ac:chgData name="Neil Gilbert" userId="2403ec6af305d8db" providerId="LiveId" clId="{251A071A-6428-4617-9788-E4BA757E3664}" dt="2024-05-01T17:35:23.654" v="17" actId="692"/>
+          <ac:spMkLst>
+            <pc:docMk/>
+            <pc:sldMk cId="3211148910" sldId="257"/>
+            <ac:spMk id="217" creationId="{827212A1-0731-3131-9105-4B2AE9C95384}"/>
+          </ac:spMkLst>
+        </pc:spChg>
+        <pc:cxnChg chg="mod">
+          <ac:chgData name="Neil Gilbert" userId="2403ec6af305d8db" providerId="LiveId" clId="{251A071A-6428-4617-9788-E4BA757E3664}" dt="2024-05-01T17:34:02.419" v="1" actId="692"/>
+          <ac:cxnSpMkLst>
+            <pc:docMk/>
+            <pc:sldMk cId="3211148910" sldId="257"/>
+            <ac:cxnSpMk id="164" creationId="{9B4467C3-1951-0A92-F0CC-D1D20F34FC52}"/>
+          </ac:cxnSpMkLst>
+        </pc:cxnChg>
+        <pc:cxnChg chg="mod">
+          <ac:chgData name="Neil Gilbert" userId="2403ec6af305d8db" providerId="LiveId" clId="{251A071A-6428-4617-9788-E4BA757E3664}" dt="2024-05-01T17:33:57.209" v="0" actId="692"/>
+          <ac:cxnSpMkLst>
+            <pc:docMk/>
+            <pc:sldMk cId="3211148910" sldId="257"/>
+            <ac:cxnSpMk id="170" creationId="{F2CE53C6-C339-7015-730F-D48AB4FEBA11}"/>
+          </ac:cxnSpMkLst>
+        </pc:cxnChg>
+      </pc:sldChg>
+    </pc:docChg>
+  </pc:docChgLst>
   <pc:docChgLst>
     <pc:chgData name="Neil Gilbert" userId="2403ec6af305d8db" providerId="LiveId" clId="{C3140176-FEAD-492B-824A-76FA7BEDBF71}"/>
     <pc:docChg chg="undo custSel modSld">
@@ -480,7 +544,7 @@
           <a:p>
             <a:fld id="{6765E22A-D4BC-4A80-863C-5759F07390E4}" type="datetimeFigureOut">
               <a:rPr lang="en-US" smtClean="0"/>
-              <a:t>12/11/2023</a:t>
+              <a:t>5/1/2024</a:t>
             </a:fld>
             <a:endParaRPr lang="en-US"/>
           </a:p>
@@ -650,7 +714,7 @@
           <a:p>
             <a:fld id="{6765E22A-D4BC-4A80-863C-5759F07390E4}" type="datetimeFigureOut">
               <a:rPr lang="en-US" smtClean="0"/>
-              <a:t>12/11/2023</a:t>
+              <a:t>5/1/2024</a:t>
             </a:fld>
             <a:endParaRPr lang="en-US"/>
           </a:p>
@@ -830,7 +894,7 @@
           <a:p>
             <a:fld id="{6765E22A-D4BC-4A80-863C-5759F07390E4}" type="datetimeFigureOut">
               <a:rPr lang="en-US" smtClean="0"/>
-              <a:t>12/11/2023</a:t>
+              <a:t>5/1/2024</a:t>
             </a:fld>
             <a:endParaRPr lang="en-US"/>
           </a:p>
@@ -1000,7 +1064,7 @@
           <a:p>
             <a:fld id="{6765E22A-D4BC-4A80-863C-5759F07390E4}" type="datetimeFigureOut">
               <a:rPr lang="en-US" smtClean="0"/>
-              <a:t>12/11/2023</a:t>
+              <a:t>5/1/2024</a:t>
             </a:fld>
             <a:endParaRPr lang="en-US"/>
           </a:p>
@@ -1244,7 +1308,7 @@
           <a:p>
             <a:fld id="{6765E22A-D4BC-4A80-863C-5759F07390E4}" type="datetimeFigureOut">
               <a:rPr lang="en-US" smtClean="0"/>
-              <a:t>12/11/2023</a:t>
+              <a:t>5/1/2024</a:t>
             </a:fld>
             <a:endParaRPr lang="en-US"/>
           </a:p>
@@ -1476,7 +1540,7 @@
           <a:p>
             <a:fld id="{6765E22A-D4BC-4A80-863C-5759F07390E4}" type="datetimeFigureOut">
               <a:rPr lang="en-US" smtClean="0"/>
-              <a:t>12/11/2023</a:t>
+              <a:t>5/1/2024</a:t>
             </a:fld>
             <a:endParaRPr lang="en-US"/>
           </a:p>
@@ -1843,7 +1907,7 @@
           <a:p>
             <a:fld id="{6765E22A-D4BC-4A80-863C-5759F07390E4}" type="datetimeFigureOut">
               <a:rPr lang="en-US" smtClean="0"/>
-              <a:t>12/11/2023</a:t>
+              <a:t>5/1/2024</a:t>
             </a:fld>
             <a:endParaRPr lang="en-US"/>
           </a:p>
@@ -1961,7 +2025,7 @@
           <a:p>
             <a:fld id="{6765E22A-D4BC-4A80-863C-5759F07390E4}" type="datetimeFigureOut">
               <a:rPr lang="en-US" smtClean="0"/>
-              <a:t>12/11/2023</a:t>
+              <a:t>5/1/2024</a:t>
             </a:fld>
             <a:endParaRPr lang="en-US"/>
           </a:p>
@@ -2056,7 +2120,7 @@
           <a:p>
             <a:fld id="{6765E22A-D4BC-4A80-863C-5759F07390E4}" type="datetimeFigureOut">
               <a:rPr lang="en-US" smtClean="0"/>
-              <a:t>12/11/2023</a:t>
+              <a:t>5/1/2024</a:t>
             </a:fld>
             <a:endParaRPr lang="en-US"/>
           </a:p>
@@ -2333,7 +2397,7 @@
           <a:p>
             <a:fld id="{6765E22A-D4BC-4A80-863C-5759F07390E4}" type="datetimeFigureOut">
               <a:rPr lang="en-US" smtClean="0"/>
-              <a:t>12/11/2023</a:t>
+              <a:t>5/1/2024</a:t>
             </a:fld>
             <a:endParaRPr lang="en-US"/>
           </a:p>
@@ -2590,7 +2654,7 @@
           <a:p>
             <a:fld id="{6765E22A-D4BC-4A80-863C-5759F07390E4}" type="datetimeFigureOut">
               <a:rPr lang="en-US" smtClean="0"/>
-              <a:t>12/11/2023</a:t>
+              <a:t>5/1/2024</a:t>
             </a:fld>
             <a:endParaRPr lang="en-US"/>
           </a:p>
@@ -2803,7 +2867,7 @@
           <a:p>
             <a:fld id="{6765E22A-D4BC-4A80-863C-5759F07390E4}" type="datetimeFigureOut">
               <a:rPr lang="en-US" smtClean="0"/>
-              <a:t>12/11/2023</a:t>
+              <a:t>5/1/2024</a:t>
             </a:fld>
             <a:endParaRPr lang="en-US"/>
           </a:p>
@@ -5154,8 +5218,8 @@
                   </a:pathLst>
                 </a:custGeom>
                 <a:solidFill>
-                  <a:schemeClr val="bg2">
-                    <a:lumMod val="75000"/>
+                  <a:schemeClr val="bg1">
+                    <a:lumMod val="65000"/>
                   </a:schemeClr>
                 </a:solidFill>
                 <a:ln>
@@ -5235,6 +5299,11 @@
                   <a:pPr algn="ctr"/>
                   <a:r>
                     <a:rPr lang="en-US" sz="1000" b="1" dirty="0">
+                      <a:ln w="635">
+                        <a:solidFill>
+                          <a:schemeClr val="tx1"/>
+                        </a:solidFill>
+                      </a:ln>
                       <a:solidFill>
                         <a:srgbClr val="4E3910"/>
                       </a:solidFill>
@@ -5248,6 +5317,11 @@
                   <a:pPr algn="ctr"/>
                   <a:r>
                     <a:rPr lang="en-US" sz="1000" b="1" dirty="0">
+                      <a:ln w="635">
+                        <a:solidFill>
+                          <a:schemeClr val="tx1"/>
+                        </a:solidFill>
+                      </a:ln>
                       <a:solidFill>
                         <a:srgbClr val="4E3910"/>
                       </a:solidFill>
@@ -5969,8 +6043,8 @@
                   </a:pathLst>
                 </a:custGeom>
                 <a:solidFill>
-                  <a:schemeClr val="bg2">
-                    <a:lumMod val="75000"/>
+                  <a:schemeClr val="bg1">
+                    <a:lumMod val="65000"/>
                   </a:schemeClr>
                 </a:solidFill>
                 <a:ln>
@@ -6050,8 +6124,13 @@
                   <a:pPr algn="ctr"/>
                   <a:r>
                     <a:rPr lang="en-US" sz="1000" b="1" dirty="0">
+                      <a:ln w="635">
+                        <a:solidFill>
+                          <a:schemeClr val="tx1"/>
+                        </a:solidFill>
+                      </a:ln>
                       <a:solidFill>
-                        <a:srgbClr val="175F5D"/>
+                        <a:srgbClr val="4FB6CA"/>
                       </a:solidFill>
                       <a:latin typeface="Arial" panose="020B0604020202020204" pitchFamily="34" charset="0"/>
                       <a:cs typeface="Arial" panose="020B0604020202020204" pitchFamily="34" charset="0"/>
@@ -7207,7 +7286,7 @@
                 </a:prstGeom>
                 <a:ln w="63500">
                   <a:solidFill>
-                    <a:srgbClr val="175F5D"/>
+                    <a:srgbClr val="4FB6CA"/>
                   </a:solidFill>
                 </a:ln>
               </p:spPr>
@@ -7710,7 +7789,7 @@
                 </a:prstGeom>
                 <a:ln w="63500">
                   <a:solidFill>
-                    <a:srgbClr val="175F5D"/>
+                    <a:srgbClr val="4FB6CA"/>
                   </a:solidFill>
                 </a:ln>
               </p:spPr>
@@ -8765,7 +8844,7 @@
           <a:noFill/>
           <a:ln w="63500">
             <a:solidFill>
-              <a:srgbClr val="175F5D"/>
+              <a:srgbClr val="4FB6CA"/>
             </a:solidFill>
           </a:ln>
         </p:spPr>

--- a/figures/figure_01.pptx
+++ b/figures/figure_01.pptx
@@ -114,6 +114,70 @@
 
 <file path=ppt/changesInfos/changesInfo1.xml><?xml version="1.0" encoding="utf-8"?>
 <pc:chgInfo xmlns:a="http://schemas.openxmlformats.org/drawingml/2006/main" xmlns:r="http://schemas.openxmlformats.org/officeDocument/2006/relationships" xmlns:ac="http://schemas.microsoft.com/office/drawing/2013/main/command" xmlns:pc="http://schemas.microsoft.com/office/powerpoint/2013/main/command">
+  <pc:docChgLst>
+    <pc:chgData name="Neil Gilbert" userId="2403ec6af305d8db" providerId="LiveId" clId="{D10569F7-2CC1-4E65-B514-35FB0326E753}"/>
+    <pc:docChg chg="modSld">
+      <pc:chgData name="Neil Gilbert" userId="2403ec6af305d8db" providerId="LiveId" clId="{D10569F7-2CC1-4E65-B514-35FB0326E753}" dt="2024-06-14T19:56:53.267" v="14" actId="20577"/>
+      <pc:docMkLst>
+        <pc:docMk/>
+      </pc:docMkLst>
+      <pc:sldChg chg="modSp mod">
+        <pc:chgData name="Neil Gilbert" userId="2403ec6af305d8db" providerId="LiveId" clId="{D10569F7-2CC1-4E65-B514-35FB0326E753}" dt="2024-06-14T19:56:53.267" v="14" actId="20577"/>
+        <pc:sldMkLst>
+          <pc:docMk/>
+          <pc:sldMk cId="3211148910" sldId="257"/>
+        </pc:sldMkLst>
+        <pc:spChg chg="mod">
+          <ac:chgData name="Neil Gilbert" userId="2403ec6af305d8db" providerId="LiveId" clId="{D10569F7-2CC1-4E65-B514-35FB0326E753}" dt="2024-06-14T19:55:42.993" v="2" actId="692"/>
+          <ac:spMkLst>
+            <pc:docMk/>
+            <pc:sldMk cId="3211148910" sldId="257"/>
+            <ac:spMk id="4" creationId="{ABCD9313-FDF3-A899-E335-55BAD4567AA3}"/>
+          </ac:spMkLst>
+        </pc:spChg>
+        <pc:spChg chg="mod">
+          <ac:chgData name="Neil Gilbert" userId="2403ec6af305d8db" providerId="LiveId" clId="{D10569F7-2CC1-4E65-B514-35FB0326E753}" dt="2024-06-14T19:56:53.267" v="14" actId="20577"/>
+          <ac:spMkLst>
+            <pc:docMk/>
+            <pc:sldMk cId="3211148910" sldId="257"/>
+            <ac:spMk id="193" creationId="{3392A0DA-5AFF-A4C6-65A6-E448F671EA54}"/>
+          </ac:spMkLst>
+        </pc:spChg>
+        <pc:spChg chg="mod">
+          <ac:chgData name="Neil Gilbert" userId="2403ec6af305d8db" providerId="LiveId" clId="{D10569F7-2CC1-4E65-B514-35FB0326E753}" dt="2024-06-14T19:55:59.793" v="5" actId="2085"/>
+          <ac:spMkLst>
+            <pc:docMk/>
+            <pc:sldMk cId="3211148910" sldId="257"/>
+            <ac:spMk id="210" creationId="{C1C5A906-989F-AA6D-DCF8-8862074A359A}"/>
+          </ac:spMkLst>
+        </pc:spChg>
+        <pc:spChg chg="mod">
+          <ac:chgData name="Neil Gilbert" userId="2403ec6af305d8db" providerId="LiveId" clId="{D10569F7-2CC1-4E65-B514-35FB0326E753}" dt="2024-06-14T19:56:43.466" v="7" actId="2085"/>
+          <ac:spMkLst>
+            <pc:docMk/>
+            <pc:sldMk cId="3211148910" sldId="257"/>
+            <ac:spMk id="217" creationId="{827212A1-0731-3131-9105-4B2AE9C95384}"/>
+          </ac:spMkLst>
+        </pc:spChg>
+        <pc:cxnChg chg="mod">
+          <ac:chgData name="Neil Gilbert" userId="2403ec6af305d8db" providerId="LiveId" clId="{D10569F7-2CC1-4E65-B514-35FB0326E753}" dt="2024-06-14T19:55:39.171" v="1" actId="692"/>
+          <ac:cxnSpMkLst>
+            <pc:docMk/>
+            <pc:sldMk cId="3211148910" sldId="257"/>
+            <ac:cxnSpMk id="164" creationId="{9B4467C3-1951-0A92-F0CC-D1D20F34FC52}"/>
+          </ac:cxnSpMkLst>
+        </pc:cxnChg>
+        <pc:cxnChg chg="mod">
+          <ac:chgData name="Neil Gilbert" userId="2403ec6af305d8db" providerId="LiveId" clId="{D10569F7-2CC1-4E65-B514-35FB0326E753}" dt="2024-06-14T19:55:34.191" v="0" actId="692"/>
+          <ac:cxnSpMkLst>
+            <pc:docMk/>
+            <pc:sldMk cId="3211148910" sldId="257"/>
+            <ac:cxnSpMk id="170" creationId="{F2CE53C6-C339-7015-730F-D48AB4FEBA11}"/>
+          </ac:cxnSpMkLst>
+        </pc:cxnChg>
+      </pc:sldChg>
+    </pc:docChg>
+  </pc:docChgLst>
   <pc:docChgLst>
     <pc:chgData name="Neil Gilbert" userId="2403ec6af305d8db" providerId="LiveId" clId="{251A071A-6428-4617-9788-E4BA757E3664}"/>
     <pc:docChg chg="modSld">
@@ -544,7 +608,7 @@
           <a:p>
             <a:fld id="{6765E22A-D4BC-4A80-863C-5759F07390E4}" type="datetimeFigureOut">
               <a:rPr lang="en-US" smtClean="0"/>
-              <a:t>5/1/2024</a:t>
+              <a:t>6/14/2024</a:t>
             </a:fld>
             <a:endParaRPr lang="en-US"/>
           </a:p>
@@ -714,7 +778,7 @@
           <a:p>
             <a:fld id="{6765E22A-D4BC-4A80-863C-5759F07390E4}" type="datetimeFigureOut">
               <a:rPr lang="en-US" smtClean="0"/>
-              <a:t>5/1/2024</a:t>
+              <a:t>6/14/2024</a:t>
             </a:fld>
             <a:endParaRPr lang="en-US"/>
           </a:p>
@@ -894,7 +958,7 @@
           <a:p>
             <a:fld id="{6765E22A-D4BC-4A80-863C-5759F07390E4}" type="datetimeFigureOut">
               <a:rPr lang="en-US" smtClean="0"/>
-              <a:t>5/1/2024</a:t>
+              <a:t>6/14/2024</a:t>
             </a:fld>
             <a:endParaRPr lang="en-US"/>
           </a:p>
@@ -1064,7 +1128,7 @@
           <a:p>
             <a:fld id="{6765E22A-D4BC-4A80-863C-5759F07390E4}" type="datetimeFigureOut">
               <a:rPr lang="en-US" smtClean="0"/>
-              <a:t>5/1/2024</a:t>
+              <a:t>6/14/2024</a:t>
             </a:fld>
             <a:endParaRPr lang="en-US"/>
           </a:p>
@@ -1308,7 +1372,7 @@
           <a:p>
             <a:fld id="{6765E22A-D4BC-4A80-863C-5759F07390E4}" type="datetimeFigureOut">
               <a:rPr lang="en-US" smtClean="0"/>
-              <a:t>5/1/2024</a:t>
+              <a:t>6/14/2024</a:t>
             </a:fld>
             <a:endParaRPr lang="en-US"/>
           </a:p>
@@ -1540,7 +1604,7 @@
           <a:p>
             <a:fld id="{6765E22A-D4BC-4A80-863C-5759F07390E4}" type="datetimeFigureOut">
               <a:rPr lang="en-US" smtClean="0"/>
-              <a:t>5/1/2024</a:t>
+              <a:t>6/14/2024</a:t>
             </a:fld>
             <a:endParaRPr lang="en-US"/>
           </a:p>
@@ -1907,7 +1971,7 @@
           <a:p>
             <a:fld id="{6765E22A-D4BC-4A80-863C-5759F07390E4}" type="datetimeFigureOut">
               <a:rPr lang="en-US" smtClean="0"/>
-              <a:t>5/1/2024</a:t>
+              <a:t>6/14/2024</a:t>
             </a:fld>
             <a:endParaRPr lang="en-US"/>
           </a:p>
@@ -2025,7 +2089,7 @@
           <a:p>
             <a:fld id="{6765E22A-D4BC-4A80-863C-5759F07390E4}" type="datetimeFigureOut">
               <a:rPr lang="en-US" smtClean="0"/>
-              <a:t>5/1/2024</a:t>
+              <a:t>6/14/2024</a:t>
             </a:fld>
             <a:endParaRPr lang="en-US"/>
           </a:p>
@@ -2120,7 +2184,7 @@
           <a:p>
             <a:fld id="{6765E22A-D4BC-4A80-863C-5759F07390E4}" type="datetimeFigureOut">
               <a:rPr lang="en-US" smtClean="0"/>
-              <a:t>5/1/2024</a:t>
+              <a:t>6/14/2024</a:t>
             </a:fld>
             <a:endParaRPr lang="en-US"/>
           </a:p>
@@ -2397,7 +2461,7 @@
           <a:p>
             <a:fld id="{6765E22A-D4BC-4A80-863C-5759F07390E4}" type="datetimeFigureOut">
               <a:rPr lang="en-US" smtClean="0"/>
-              <a:t>5/1/2024</a:t>
+              <a:t>6/14/2024</a:t>
             </a:fld>
             <a:endParaRPr lang="en-US"/>
           </a:p>
@@ -2654,7 +2718,7 @@
           <a:p>
             <a:fld id="{6765E22A-D4BC-4A80-863C-5759F07390E4}" type="datetimeFigureOut">
               <a:rPr lang="en-US" smtClean="0"/>
-              <a:t>5/1/2024</a:t>
+              <a:t>6/14/2024</a:t>
             </a:fld>
             <a:endParaRPr lang="en-US"/>
           </a:p>
@@ -2867,7 +2931,7 @@
           <a:p>
             <a:fld id="{6765E22A-D4BC-4A80-863C-5759F07390E4}" type="datetimeFigureOut">
               <a:rPr lang="en-US" smtClean="0"/>
-              <a:t>5/1/2024</a:t>
+              <a:t>6/14/2024</a:t>
             </a:fld>
             <a:endParaRPr lang="en-US"/>
           </a:p>
@@ -5300,9 +5364,7 @@
                   <a:r>
                     <a:rPr lang="en-US" sz="1000" b="1" dirty="0">
                       <a:ln w="635">
-                        <a:solidFill>
-                          <a:schemeClr val="tx1"/>
-                        </a:solidFill>
+                        <a:noFill/>
                       </a:ln>
                       <a:solidFill>
                         <a:srgbClr val="4E3910"/>
@@ -5318,9 +5380,7 @@
                   <a:r>
                     <a:rPr lang="en-US" sz="1000" b="1" dirty="0">
                       <a:ln w="635">
-                        <a:solidFill>
-                          <a:schemeClr val="tx1"/>
-                        </a:solidFill>
+                        <a:noFill/>
                       </a:ln>
                       <a:solidFill>
                         <a:srgbClr val="4E3910"/>
@@ -6125,12 +6185,10 @@
                   <a:r>
                     <a:rPr lang="en-US" sz="1000" b="1" dirty="0">
                       <a:ln w="635">
-                        <a:solidFill>
-                          <a:schemeClr val="tx1"/>
-                        </a:solidFill>
+                        <a:noFill/>
                       </a:ln>
                       <a:solidFill>
-                        <a:srgbClr val="4FB6CA"/>
+                        <a:srgbClr val="175F5D"/>
                       </a:solidFill>
                       <a:latin typeface="Arial" panose="020B0604020202020204" pitchFamily="34" charset="0"/>
                       <a:cs typeface="Arial" panose="020B0604020202020204" pitchFamily="34" charset="0"/>
@@ -6423,7 +6481,7 @@
                         <a:latin typeface="Arial" panose="020B0604020202020204" pitchFamily="34" charset="0"/>
                         <a:cs typeface="Arial" panose="020B0604020202020204" pitchFamily="34" charset="0"/>
                       </a:rPr>
-                      <a:t>Dispersal</a:t>
+                      <a:t>Inertia</a:t>
                     </a:r>
                   </a:p>
                   <a:p>
@@ -7286,7 +7344,7 @@
                 </a:prstGeom>
                 <a:ln w="63500">
                   <a:solidFill>
-                    <a:srgbClr val="4FB6CA"/>
+                    <a:srgbClr val="175F5D"/>
                   </a:solidFill>
                 </a:ln>
               </p:spPr>
@@ -7789,7 +7847,7 @@
                 </a:prstGeom>
                 <a:ln w="63500">
                   <a:solidFill>
-                    <a:srgbClr val="4FB6CA"/>
+                    <a:srgbClr val="175F5D"/>
                   </a:solidFill>
                 </a:ln>
               </p:spPr>
@@ -8844,7 +8902,7 @@
           <a:noFill/>
           <a:ln w="63500">
             <a:solidFill>
-              <a:srgbClr val="4FB6CA"/>
+              <a:srgbClr val="175F5D"/>
             </a:solidFill>
           </a:ln>
         </p:spPr>
